--- a/Calculus.pptx
+++ b/Calculus.pptx
@@ -104,11 +104,40 @@
       </a:defRPr>
     </a:lvl9pPr>
   </p:defaultTextStyle>
+  <p:extLst>
+    <p:ext uri="{EFAFB233-063F-42B5-8137-9DF3F51BA10A}">
+      <p15:sldGuideLst xmlns:p15="http://schemas.microsoft.com/office/powerpoint/2012/main"/>
+    </p:ext>
+  </p:extLst>
 </p:presentation>
 </file>
 
 <file path=ppt/changesInfos/changesInfo1.xml><?xml version="1.0" encoding="utf-8"?>
 <pc:chgInfo xmlns:a="http://schemas.openxmlformats.org/drawingml/2006/main" xmlns:r="http://schemas.openxmlformats.org/officeDocument/2006/relationships" xmlns:ac="http://schemas.microsoft.com/office/drawing/2013/main/command" xmlns:pc="http://schemas.microsoft.com/office/powerpoint/2013/main/command">
+  <pc:docChgLst>
+    <pc:chgData name="kavish patel" userId="6e934069c3734bfc" providerId="LiveId" clId="{3BB5A657-E176-4500-95B3-828D9B43BC4E}"/>
+    <pc:docChg chg="custSel modSld">
+      <pc:chgData name="kavish patel" userId="6e934069c3734bfc" providerId="LiveId" clId="{3BB5A657-E176-4500-95B3-828D9B43BC4E}" dt="2023-11-26T14:39:38.444" v="13" actId="313"/>
+      <pc:docMkLst>
+        <pc:docMk/>
+      </pc:docMkLst>
+      <pc:sldChg chg="modSp mod">
+        <pc:chgData name="kavish patel" userId="6e934069c3734bfc" providerId="LiveId" clId="{3BB5A657-E176-4500-95B3-828D9B43BC4E}" dt="2023-11-26T14:39:38.444" v="13" actId="313"/>
+        <pc:sldMkLst>
+          <pc:docMk/>
+          <pc:sldMk cId="2808726039" sldId="256"/>
+        </pc:sldMkLst>
+        <pc:spChg chg="mod">
+          <ac:chgData name="kavish patel" userId="6e934069c3734bfc" providerId="LiveId" clId="{3BB5A657-E176-4500-95B3-828D9B43BC4E}" dt="2023-11-26T14:39:38.444" v="13" actId="313"/>
+          <ac:spMkLst>
+            <pc:docMk/>
+            <pc:sldMk cId="2808726039" sldId="256"/>
+            <ac:spMk id="2" creationId="{305ABF42-C4E7-EAC1-25EC-EC6AEB90CC20}"/>
+          </ac:spMkLst>
+        </pc:spChg>
+      </pc:sldChg>
+    </pc:docChg>
+  </pc:docChgLst>
   <pc:docChgLst>
     <pc:chgData name="kavish patel" userId="6e934069c3734bfc" providerId="LiveId" clId="{839D662D-CB10-4A53-9E64-2ABA536AC038}"/>
     <pc:docChg chg="addSld modSld">
@@ -3393,10 +3422,10 @@
           <a:lstStyle/>
           <a:p>
             <a:r>
-              <a:rPr lang="en-US"/>
-              <a:t>messi</a:t>
-            </a:r>
-            <a:endParaRPr lang="en-IN"/>
+              <a:rPr lang="en-US" dirty="0"/>
+              <a:t>Satellite</a:t>
+            </a:r>
+            <a:endParaRPr lang="en-IN" dirty="0"/>
           </a:p>
         </p:txBody>
       </p:sp>
@@ -3421,7 +3450,7 @@
           <a:bodyPr/>
           <a:lstStyle/>
           <a:p>
-            <a:endParaRPr lang="en-IN"/>
+            <a:endParaRPr lang="en-IN" dirty="0"/>
           </a:p>
         </p:txBody>
       </p:sp>

--- a/Calculus.pptx
+++ b/Calculus.pptx
@@ -117,18 +117,18 @@
   <pc:docChgLst>
     <pc:chgData name="kavish patel" userId="6e934069c3734bfc" providerId="LiveId" clId="{3BB5A657-E176-4500-95B3-828D9B43BC4E}"/>
     <pc:docChg chg="custSel modSld">
-      <pc:chgData name="kavish patel" userId="6e934069c3734bfc" providerId="LiveId" clId="{3BB5A657-E176-4500-95B3-828D9B43BC4E}" dt="2023-11-26T14:39:38.444" v="13" actId="313"/>
+      <pc:chgData name="kavish patel" userId="6e934069c3734bfc" providerId="LiveId" clId="{3BB5A657-E176-4500-95B3-828D9B43BC4E}" dt="2023-11-26T14:42:32.658" v="14" actId="20577"/>
       <pc:docMkLst>
         <pc:docMk/>
       </pc:docMkLst>
       <pc:sldChg chg="modSp mod">
-        <pc:chgData name="kavish patel" userId="6e934069c3734bfc" providerId="LiveId" clId="{3BB5A657-E176-4500-95B3-828D9B43BC4E}" dt="2023-11-26T14:39:38.444" v="13" actId="313"/>
+        <pc:chgData name="kavish patel" userId="6e934069c3734bfc" providerId="LiveId" clId="{3BB5A657-E176-4500-95B3-828D9B43BC4E}" dt="2023-11-26T14:42:32.658" v="14" actId="20577"/>
         <pc:sldMkLst>
           <pc:docMk/>
           <pc:sldMk cId="2808726039" sldId="256"/>
         </pc:sldMkLst>
         <pc:spChg chg="mod">
-          <ac:chgData name="kavish patel" userId="6e934069c3734bfc" providerId="LiveId" clId="{3BB5A657-E176-4500-95B3-828D9B43BC4E}" dt="2023-11-26T14:39:38.444" v="13" actId="313"/>
+          <ac:chgData name="kavish patel" userId="6e934069c3734bfc" providerId="LiveId" clId="{3BB5A657-E176-4500-95B3-828D9B43BC4E}" dt="2023-11-26T14:42:32.658" v="14" actId="20577"/>
           <ac:spMkLst>
             <pc:docMk/>
             <pc:sldMk cId="2808726039" sldId="256"/>
@@ -3422,8 +3422,8 @@
           <a:lstStyle/>
           <a:p>
             <a:r>
-              <a:rPr lang="en-US" dirty="0"/>
-              <a:t>Satellite</a:t>
+              <a:rPr lang="en-US"/>
+              <a:t>Saellite</a:t>
             </a:r>
             <a:endParaRPr lang="en-IN" dirty="0"/>
           </a:p>
